--- a/CSharpProgramming/Presentations/ProgPartIII/LINQ.pptx
+++ b/CSharpProgramming/Presentations/ProgPartIII/LINQ.pptx
@@ -13,8 +13,8 @@
     <p:sldId id="325" r:id="rId7"/>
     <p:sldId id="310" r:id="rId8"/>
     <p:sldId id="322" r:id="rId9"/>
-    <p:sldId id="315" r:id="rId10"/>
-    <p:sldId id="326" r:id="rId11"/>
+    <p:sldId id="326" r:id="rId10"/>
+    <p:sldId id="315" r:id="rId11"/>
     <p:sldId id="311" r:id="rId12"/>
     <p:sldId id="312" r:id="rId13"/>
     <p:sldId id="323" r:id="rId14"/>
@@ -34,8 +34,9 @@
     <p:sldId id="333" r:id="rId28"/>
     <p:sldId id="334" r:id="rId29"/>
     <p:sldId id="335" r:id="rId30"/>
-    <p:sldId id="336" r:id="rId31"/>
-    <p:sldId id="321" r:id="rId32"/>
+    <p:sldId id="338" r:id="rId31"/>
+    <p:sldId id="336" r:id="rId32"/>
+    <p:sldId id="321" r:id="rId33"/>
   </p:sldIdLst>
   <p:sldSz cx="12192000" cy="6858000"/>
   <p:notesSz cx="6858000" cy="9144000"/>
@@ -273,7 +274,7 @@
           <a:p>
             <a:fld id="{E15B7D8E-2A20-4C0E-991C-872DBB7459A8}" type="datetimeFigureOut">
               <a:rPr lang="da-DK" smtClean="0"/>
-              <a:t>26-09-2017</a:t>
+              <a:t>17-02-2018</a:t>
             </a:fld>
             <a:endParaRPr lang="da-DK"/>
           </a:p>
@@ -443,7 +444,7 @@
           <a:p>
             <a:fld id="{E15B7D8E-2A20-4C0E-991C-872DBB7459A8}" type="datetimeFigureOut">
               <a:rPr lang="da-DK" smtClean="0"/>
-              <a:t>26-09-2017</a:t>
+              <a:t>17-02-2018</a:t>
             </a:fld>
             <a:endParaRPr lang="da-DK"/>
           </a:p>
@@ -623,7 +624,7 @@
           <a:p>
             <a:fld id="{E15B7D8E-2A20-4C0E-991C-872DBB7459A8}" type="datetimeFigureOut">
               <a:rPr lang="da-DK" smtClean="0"/>
-              <a:t>26-09-2017</a:t>
+              <a:t>17-02-2018</a:t>
             </a:fld>
             <a:endParaRPr lang="da-DK"/>
           </a:p>
@@ -793,7 +794,7 @@
           <a:p>
             <a:fld id="{E15B7D8E-2A20-4C0E-991C-872DBB7459A8}" type="datetimeFigureOut">
               <a:rPr lang="da-DK" smtClean="0"/>
-              <a:t>26-09-2017</a:t>
+              <a:t>17-02-2018</a:t>
             </a:fld>
             <a:endParaRPr lang="da-DK"/>
           </a:p>
@@ -1039,7 +1040,7 @@
           <a:p>
             <a:fld id="{E15B7D8E-2A20-4C0E-991C-872DBB7459A8}" type="datetimeFigureOut">
               <a:rPr lang="da-DK" smtClean="0"/>
-              <a:t>26-09-2017</a:t>
+              <a:t>17-02-2018</a:t>
             </a:fld>
             <a:endParaRPr lang="da-DK"/>
           </a:p>
@@ -1271,7 +1272,7 @@
           <a:p>
             <a:fld id="{E15B7D8E-2A20-4C0E-991C-872DBB7459A8}" type="datetimeFigureOut">
               <a:rPr lang="da-DK" smtClean="0"/>
-              <a:t>26-09-2017</a:t>
+              <a:t>17-02-2018</a:t>
             </a:fld>
             <a:endParaRPr lang="da-DK"/>
           </a:p>
@@ -1638,7 +1639,7 @@
           <a:p>
             <a:fld id="{E15B7D8E-2A20-4C0E-991C-872DBB7459A8}" type="datetimeFigureOut">
               <a:rPr lang="da-DK" smtClean="0"/>
-              <a:t>26-09-2017</a:t>
+              <a:t>17-02-2018</a:t>
             </a:fld>
             <a:endParaRPr lang="da-DK"/>
           </a:p>
@@ -1756,7 +1757,7 @@
           <a:p>
             <a:fld id="{E15B7D8E-2A20-4C0E-991C-872DBB7459A8}" type="datetimeFigureOut">
               <a:rPr lang="da-DK" smtClean="0"/>
-              <a:t>26-09-2017</a:t>
+              <a:t>17-02-2018</a:t>
             </a:fld>
             <a:endParaRPr lang="da-DK"/>
           </a:p>
@@ -1851,7 +1852,7 @@
           <a:p>
             <a:fld id="{E15B7D8E-2A20-4C0E-991C-872DBB7459A8}" type="datetimeFigureOut">
               <a:rPr lang="da-DK" smtClean="0"/>
-              <a:t>26-09-2017</a:t>
+              <a:t>17-02-2018</a:t>
             </a:fld>
             <a:endParaRPr lang="da-DK"/>
           </a:p>
@@ -2128,7 +2129,7 @@
           <a:p>
             <a:fld id="{E15B7D8E-2A20-4C0E-991C-872DBB7459A8}" type="datetimeFigureOut">
               <a:rPr lang="da-DK" smtClean="0"/>
-              <a:t>26-09-2017</a:t>
+              <a:t>17-02-2018</a:t>
             </a:fld>
             <a:endParaRPr lang="da-DK"/>
           </a:p>
@@ -2381,7 +2382,7 @@
           <a:p>
             <a:fld id="{E15B7D8E-2A20-4C0E-991C-872DBB7459A8}" type="datetimeFigureOut">
               <a:rPr lang="da-DK" smtClean="0"/>
-              <a:t>26-09-2017</a:t>
+              <a:t>17-02-2018</a:t>
             </a:fld>
             <a:endParaRPr lang="da-DK"/>
           </a:p>
@@ -2594,7 +2595,7 @@
           <a:p>
             <a:fld id="{E15B7D8E-2A20-4C0E-991C-872DBB7459A8}" type="datetimeFigureOut">
               <a:rPr lang="da-DK" smtClean="0"/>
-              <a:t>26-09-2017</a:t>
+              <a:t>17-02-2018</a:t>
             </a:fld>
             <a:endParaRPr lang="da-DK"/>
           </a:p>
@@ -3011,8 +3012,8 @@
         </p:nvSpPr>
         <p:spPr>
           <a:xfrm>
-            <a:off x="1175085" y="1910432"/>
-            <a:ext cx="9144000" cy="2387600"/>
+            <a:off x="1175085" y="583532"/>
+            <a:ext cx="9144000" cy="4511842"/>
           </a:xfrm>
         </p:spPr>
         <p:txBody>
@@ -3025,7 +3026,65 @@
               <a:rPr lang="da-DK" sz="16000" smtClean="0"/>
               <a:t>LINQ</a:t>
             </a:r>
-            <a:endParaRPr lang="da-DK" sz="16000"/>
+            <a:br>
+              <a:rPr lang="da-DK" sz="16000" smtClean="0"/>
+            </a:br>
+            <a:r>
+              <a:rPr lang="da-DK" sz="5300" smtClean="0"/>
+              <a:t/>
+            </a:r>
+            <a:br>
+              <a:rPr lang="da-DK" sz="5300" smtClean="0"/>
+            </a:br>
+            <a:r>
+              <a:rPr lang="da-DK" sz="5300" b="1" smtClean="0">
+                <a:solidFill>
+                  <a:srgbClr val="FF0000"/>
+                </a:solidFill>
+              </a:rPr>
+              <a:t>L</a:t>
+            </a:r>
+            <a:r>
+              <a:rPr lang="da-DK" sz="5300" smtClean="0"/>
+              <a:t>anguage </a:t>
+            </a:r>
+            <a:r>
+              <a:rPr lang="da-DK" sz="5300" smtClean="0">
+                <a:solidFill>
+                  <a:srgbClr val="FF0000"/>
+                </a:solidFill>
+              </a:rPr>
+              <a:t>I</a:t>
+            </a:r>
+            <a:r>
+              <a:rPr lang="da-DK" sz="5300" smtClean="0"/>
+              <a:t>n-</a:t>
+            </a:r>
+            <a:r>
+              <a:rPr lang="da-DK" sz="5300" smtClean="0">
+                <a:solidFill>
+                  <a:srgbClr val="FF0000"/>
+                </a:solidFill>
+              </a:rPr>
+              <a:t>L</a:t>
+            </a:r>
+            <a:r>
+              <a:rPr lang="da-DK" sz="5300" smtClean="0"/>
+              <a:t>ine </a:t>
+            </a:r>
+            <a:r>
+              <a:rPr lang="da-DK" sz="5300" smtClean="0">
+                <a:solidFill>
+                  <a:srgbClr val="FF0000"/>
+                </a:solidFill>
+              </a:rPr>
+              <a:t>Q</a:t>
+            </a:r>
+            <a:r>
+              <a:rPr lang="da-DK" sz="5300" smtClean="0"/>
+              <a:t>uery</a:t>
+            </a:r>
+            <a:endParaRPr lang="da-DK" sz="5300"/>
           </a:p>
         </p:txBody>
       </p:sp>
@@ -3192,7 +3251,24 @@
               <a:rPr lang="en-US" sz="3200" b="1" smtClean="0">
                 <a:latin typeface="Consolas" panose="020B0609020204030204" pitchFamily="49" charset="0"/>
               </a:rPr>
-              <a:t> m.Title;</a:t>
+              <a:t> </a:t>
+            </a:r>
+            <a:r>
+              <a:rPr lang="en-US" sz="3200" b="1" smtClean="0">
+                <a:solidFill>
+                  <a:schemeClr val="accent1">
+                    <a:lumMod val="75000"/>
+                  </a:schemeClr>
+                </a:solidFill>
+                <a:latin typeface="Consolas" panose="020B0609020204030204" pitchFamily="49" charset="0"/>
+              </a:rPr>
+              <a:t>new</a:t>
+            </a:r>
+            <a:r>
+              <a:rPr lang="en-US" sz="3200" b="1" smtClean="0">
+                <a:latin typeface="Consolas" panose="020B0609020204030204" pitchFamily="49" charset="0"/>
+              </a:rPr>
+              <a:t> {m.Title, m.Year};</a:t>
             </a:r>
             <a:endParaRPr lang="da-DK" sz="3200" b="1">
               <a:latin typeface="Consolas" panose="020B0609020204030204" pitchFamily="49" charset="0"/>
@@ -3209,7 +3285,7 @@
     </p:spTree>
     <p:extLst>
       <p:ext uri="{BB962C8B-B14F-4D97-AF65-F5344CB8AC3E}">
-        <p14:creationId xmlns:p14="http://schemas.microsoft.com/office/powerpoint/2010/main" val="529164851"/>
+        <p14:creationId xmlns:p14="http://schemas.microsoft.com/office/powerpoint/2010/main" val="3038512735"/>
       </p:ext>
     </p:extLst>
   </p:cSld>
@@ -8495,9 +8571,6 @@
               </a:rPr>
               <a:t> studios</a:t>
             </a:r>
-            <a:endParaRPr lang="en-US" sz="3200" b="1" smtClean="0">
-              <a:latin typeface="Consolas" panose="020B0609020204030204" pitchFamily="49" charset="0"/>
-            </a:endParaRPr>
           </a:p>
         </p:txBody>
       </p:sp>
@@ -23180,6 +23253,346 @@
           <a:chExt cx="0" cy="0"/>
         </a:xfrm>
       </p:grpSpPr>
+      <p:sp>
+        <p:nvSpPr>
+          <p:cNvPr id="3" name="Pladsholder til indhold 2"/>
+          <p:cNvSpPr>
+            <a:spLocks noGrp="1"/>
+          </p:cNvSpPr>
+          <p:nvPr>
+            <p:ph idx="1"/>
+          </p:nvPr>
+        </p:nvSpPr>
+        <p:spPr>
+          <a:xfrm>
+            <a:off x="838199" y="1825625"/>
+            <a:ext cx="11021907" cy="4351338"/>
+          </a:xfrm>
+        </p:spPr>
+        <p:txBody>
+          <a:bodyPr/>
+          <a:lstStyle/>
+          <a:p>
+            <a:pPr marL="0" indent="0">
+              <a:buNone/>
+            </a:pPr>
+            <a:r>
+              <a:rPr lang="en-US" sz="3200" b="1" smtClean="0">
+                <a:solidFill>
+                  <a:schemeClr val="accent1">
+                    <a:lumMod val="75000"/>
+                  </a:schemeClr>
+                </a:solidFill>
+                <a:latin typeface="Consolas" panose="020B0609020204030204" pitchFamily="49" charset="0"/>
+              </a:rPr>
+              <a:t>var</a:t>
+            </a:r>
+            <a:r>
+              <a:rPr lang="en-US" sz="3200" b="1" smtClean="0">
+                <a:latin typeface="Consolas" panose="020B0609020204030204" pitchFamily="49" charset="0"/>
+              </a:rPr>
+              <a:t> query = </a:t>
+            </a:r>
+            <a:r>
+              <a:rPr lang="en-US" sz="3200" b="1" smtClean="0">
+                <a:solidFill>
+                  <a:schemeClr val="accent1">
+                    <a:lumMod val="75000"/>
+                  </a:schemeClr>
+                </a:solidFill>
+                <a:latin typeface="Consolas" panose="020B0609020204030204" pitchFamily="49" charset="0"/>
+              </a:rPr>
+              <a:t>from</a:t>
+            </a:r>
+            <a:r>
+              <a:rPr lang="en-US" sz="3200" b="1" smtClean="0">
+                <a:latin typeface="Consolas" panose="020B0609020204030204" pitchFamily="49" charset="0"/>
+              </a:rPr>
+              <a:t> </a:t>
+            </a:r>
+            <a:r>
+              <a:rPr lang="en-US" sz="3200" b="1">
+                <a:latin typeface="Consolas" panose="020B0609020204030204" pitchFamily="49" charset="0"/>
+              </a:rPr>
+              <a:t>m </a:t>
+            </a:r>
+            <a:r>
+              <a:rPr lang="en-US" sz="3200" b="1">
+                <a:solidFill>
+                  <a:schemeClr val="accent1">
+                    <a:lumMod val="75000"/>
+                  </a:schemeClr>
+                </a:solidFill>
+                <a:latin typeface="Consolas" panose="020B0609020204030204" pitchFamily="49" charset="0"/>
+              </a:rPr>
+              <a:t>in</a:t>
+            </a:r>
+            <a:r>
+              <a:rPr lang="en-US" sz="3200" b="1">
+                <a:latin typeface="Consolas" panose="020B0609020204030204" pitchFamily="49" charset="0"/>
+              </a:rPr>
+              <a:t> </a:t>
+            </a:r>
+            <a:r>
+              <a:rPr lang="en-US" sz="3200" b="1" smtClean="0">
+                <a:latin typeface="Consolas" panose="020B0609020204030204" pitchFamily="49" charset="0"/>
+              </a:rPr>
+              <a:t>movies</a:t>
+            </a:r>
+          </a:p>
+          <a:p>
+            <a:pPr marL="0" indent="0">
+              <a:buNone/>
+            </a:pPr>
+            <a:r>
+              <a:rPr lang="en-US" sz="3200" b="1">
+                <a:latin typeface="Consolas" panose="020B0609020204030204" pitchFamily="49" charset="0"/>
+              </a:rPr>
+              <a:t>	</a:t>
+            </a:r>
+            <a:r>
+              <a:rPr lang="en-US" sz="3200" b="1" smtClean="0">
+                <a:latin typeface="Consolas" panose="020B0609020204030204" pitchFamily="49" charset="0"/>
+              </a:rPr>
+              <a:t>		</a:t>
+            </a:r>
+            <a:r>
+              <a:rPr lang="en-US" sz="3200" b="1">
+                <a:solidFill>
+                  <a:schemeClr val="accent1">
+                    <a:lumMod val="75000"/>
+                  </a:schemeClr>
+                </a:solidFill>
+                <a:latin typeface="Consolas" panose="020B0609020204030204" pitchFamily="49" charset="0"/>
+              </a:rPr>
+              <a:t>join</a:t>
+            </a:r>
+            <a:r>
+              <a:rPr lang="en-US" sz="3200" b="1" smtClean="0">
+                <a:latin typeface="Consolas" panose="020B0609020204030204" pitchFamily="49" charset="0"/>
+              </a:rPr>
+              <a:t> s </a:t>
+            </a:r>
+            <a:r>
+              <a:rPr lang="en-US" sz="3200" b="1">
+                <a:solidFill>
+                  <a:schemeClr val="accent1">
+                    <a:lumMod val="75000"/>
+                  </a:schemeClr>
+                </a:solidFill>
+                <a:latin typeface="Consolas" panose="020B0609020204030204" pitchFamily="49" charset="0"/>
+              </a:rPr>
+              <a:t>in</a:t>
+            </a:r>
+            <a:r>
+              <a:rPr lang="en-US" sz="3200" b="1" smtClean="0">
+                <a:latin typeface="Consolas" panose="020B0609020204030204" pitchFamily="49" charset="0"/>
+              </a:rPr>
+              <a:t> studios</a:t>
+            </a:r>
+          </a:p>
+          <a:p>
+            <a:pPr marL="0" indent="0">
+              <a:buNone/>
+            </a:pPr>
+            <a:r>
+              <a:rPr lang="en-US" sz="3200" b="1">
+                <a:latin typeface="Consolas" panose="020B0609020204030204" pitchFamily="49" charset="0"/>
+              </a:rPr>
+              <a:t>	</a:t>
+            </a:r>
+            <a:r>
+              <a:rPr lang="en-US" sz="3200" b="1" smtClean="0">
+                <a:latin typeface="Consolas" panose="020B0609020204030204" pitchFamily="49" charset="0"/>
+              </a:rPr>
+              <a:t>		</a:t>
+            </a:r>
+            <a:r>
+              <a:rPr lang="en-US" sz="3200" b="1">
+                <a:solidFill>
+                  <a:schemeClr val="accent1">
+                    <a:lumMod val="75000"/>
+                  </a:schemeClr>
+                </a:solidFill>
+                <a:latin typeface="Consolas" panose="020B0609020204030204" pitchFamily="49" charset="0"/>
+              </a:rPr>
+              <a:t>on</a:t>
+            </a:r>
+            <a:r>
+              <a:rPr lang="en-US" sz="3200" b="1" smtClean="0">
+                <a:latin typeface="Consolas" panose="020B0609020204030204" pitchFamily="49" charset="0"/>
+              </a:rPr>
+              <a:t> m.StudioName </a:t>
+            </a:r>
+            <a:r>
+              <a:rPr lang="en-US" sz="3200" b="1">
+                <a:solidFill>
+                  <a:schemeClr val="accent1">
+                    <a:lumMod val="75000"/>
+                  </a:schemeClr>
+                </a:solidFill>
+                <a:latin typeface="Consolas" panose="020B0609020204030204" pitchFamily="49" charset="0"/>
+              </a:rPr>
+              <a:t>equals</a:t>
+            </a:r>
+            <a:r>
+              <a:rPr lang="en-US" sz="3200" b="1" smtClean="0">
+                <a:latin typeface="Consolas" panose="020B0609020204030204" pitchFamily="49" charset="0"/>
+              </a:rPr>
+              <a:t> s.StudioName</a:t>
+            </a:r>
+          </a:p>
+          <a:p>
+            <a:pPr marL="0" indent="0">
+              <a:buNone/>
+            </a:pPr>
+            <a:r>
+              <a:rPr lang="en-US" sz="3200" b="1" smtClean="0">
+                <a:latin typeface="Consolas" panose="020B0609020204030204" pitchFamily="49" charset="0"/>
+              </a:rPr>
+              <a:t>			</a:t>
+            </a:r>
+            <a:r>
+              <a:rPr lang="en-US" sz="3200" b="1">
+                <a:solidFill>
+                  <a:schemeClr val="accent1">
+                    <a:lumMod val="75000"/>
+                  </a:schemeClr>
+                </a:solidFill>
+                <a:latin typeface="Consolas" panose="020B0609020204030204" pitchFamily="49" charset="0"/>
+              </a:rPr>
+              <a:t>where</a:t>
+            </a:r>
+            <a:r>
+              <a:rPr lang="en-US" sz="3200" b="1" smtClean="0">
+                <a:latin typeface="Consolas" panose="020B0609020204030204" pitchFamily="49" charset="0"/>
+              </a:rPr>
+              <a:t> </a:t>
+            </a:r>
+            <a:r>
+              <a:rPr lang="en-US" sz="3200" b="1">
+                <a:latin typeface="Consolas" panose="020B0609020204030204" pitchFamily="49" charset="0"/>
+              </a:rPr>
+              <a:t>s.HQCity == </a:t>
+            </a:r>
+            <a:r>
+              <a:rPr lang="en-US" sz="3200" b="1">
+                <a:solidFill>
+                  <a:srgbClr val="FF0000"/>
+                </a:solidFill>
+                <a:latin typeface="Consolas" panose="020B0609020204030204" pitchFamily="49" charset="0"/>
+              </a:rPr>
+              <a:t>"New </a:t>
+            </a:r>
+            <a:r>
+              <a:rPr lang="en-US" sz="3200" b="1" smtClean="0">
+                <a:solidFill>
+                  <a:srgbClr val="FF0000"/>
+                </a:solidFill>
+                <a:latin typeface="Consolas" panose="020B0609020204030204" pitchFamily="49" charset="0"/>
+              </a:rPr>
+              <a:t>York“</a:t>
+            </a:r>
+          </a:p>
+          <a:p>
+            <a:pPr marL="0" indent="0">
+              <a:buNone/>
+            </a:pPr>
+            <a:r>
+              <a:rPr lang="en-US" sz="3200" b="1">
+                <a:solidFill>
+                  <a:srgbClr val="FF0000"/>
+                </a:solidFill>
+                <a:latin typeface="Consolas" panose="020B0609020204030204" pitchFamily="49" charset="0"/>
+              </a:rPr>
+              <a:t>	</a:t>
+            </a:r>
+            <a:r>
+              <a:rPr lang="en-US" sz="3200" b="1" smtClean="0">
+                <a:solidFill>
+                  <a:srgbClr val="FF0000"/>
+                </a:solidFill>
+                <a:latin typeface="Consolas" panose="020B0609020204030204" pitchFamily="49" charset="0"/>
+              </a:rPr>
+              <a:t>		</a:t>
+            </a:r>
+            <a:r>
+              <a:rPr lang="en-US" sz="3200" b="1">
+                <a:solidFill>
+                  <a:schemeClr val="accent1">
+                    <a:lumMod val="75000"/>
+                  </a:schemeClr>
+                </a:solidFill>
+                <a:latin typeface="Consolas" panose="020B0609020204030204" pitchFamily="49" charset="0"/>
+              </a:rPr>
+              <a:t>select</a:t>
+            </a:r>
+            <a:r>
+              <a:rPr lang="en-US" sz="3200" b="1" smtClean="0">
+                <a:solidFill>
+                  <a:srgbClr val="FF0000"/>
+                </a:solidFill>
+                <a:latin typeface="Consolas" panose="020B0609020204030204" pitchFamily="49" charset="0"/>
+              </a:rPr>
+              <a:t> </a:t>
+            </a:r>
+            <a:r>
+              <a:rPr lang="en-US" sz="3200" b="1">
+                <a:latin typeface="Consolas" panose="020B0609020204030204" pitchFamily="49" charset="0"/>
+              </a:rPr>
+              <a:t>…</a:t>
+            </a:r>
+            <a:endParaRPr lang="da-DK" sz="3200" b="1">
+              <a:latin typeface="Consolas" panose="020B0609020204030204" pitchFamily="49" charset="0"/>
+            </a:endParaRPr>
+          </a:p>
+          <a:p>
+            <a:pPr marL="0" indent="0">
+              <a:buNone/>
+            </a:pPr>
+            <a:endParaRPr lang="en-US" sz="3200" b="1" smtClean="0">
+              <a:latin typeface="Consolas" panose="020B0609020204030204" pitchFamily="49" charset="0"/>
+            </a:endParaRPr>
+          </a:p>
+        </p:txBody>
+      </p:sp>
+    </p:spTree>
+    <p:extLst>
+      <p:ext uri="{BB962C8B-B14F-4D97-AF65-F5344CB8AC3E}">
+        <p14:creationId xmlns:p14="http://schemas.microsoft.com/office/powerpoint/2010/main" val="4222924614"/>
+      </p:ext>
+    </p:extLst>
+  </p:cSld>
+  <p:clrMapOvr>
+    <a:masterClrMapping/>
+  </p:clrMapOvr>
+  <p:timing>
+    <p:tnLst>
+      <p:par>
+        <p:cTn id="1" dur="indefinite" restart="never" nodeType="tmRoot"/>
+      </p:par>
+    </p:tnLst>
+  </p:timing>
+</p:sld>
+</file>
+
+<file path=ppt/slides/slide31.xml><?xml version="1.0" encoding="utf-8"?>
+<p:sld xmlns:a="http://schemas.openxmlformats.org/drawingml/2006/main" xmlns:r="http://schemas.openxmlformats.org/officeDocument/2006/relationships" xmlns:p="http://schemas.openxmlformats.org/presentationml/2006/main">
+  <p:cSld>
+    <p:spTree>
+      <p:nvGrpSpPr>
+        <p:cNvPr id="1" name=""/>
+        <p:cNvGrpSpPr/>
+        <p:nvPr/>
+      </p:nvGrpSpPr>
+      <p:grpSpPr>
+        <a:xfrm>
+          <a:off x="0" y="0"/>
+          <a:ext cx="0" cy="0"/>
+          <a:chOff x="0" y="0"/>
+          <a:chExt cx="0" cy="0"/>
+        </a:xfrm>
+      </p:grpSpPr>
       <p:graphicFrame>
         <p:nvGraphicFramePr>
           <p:cNvPr id="4" name="Tabel 3"/>
@@ -24227,7 +24640,7 @@
 </p:sld>
 </file>
 
-<file path=ppt/slides/slide31.xml><?xml version="1.0" encoding="utf-8"?>
+<file path=ppt/slides/slide32.xml><?xml version="1.0" encoding="utf-8"?>
 <p:sld xmlns:a="http://schemas.openxmlformats.org/drawingml/2006/main" xmlns:r="http://schemas.openxmlformats.org/officeDocument/2006/relationships" xmlns:p="http://schemas.openxmlformats.org/presentationml/2006/main">
   <p:cSld>
     <p:spTree>
@@ -27794,24 +28207,7 @@
               <a:rPr lang="en-US" sz="3200" b="1" smtClean="0">
                 <a:latin typeface="Consolas" panose="020B0609020204030204" pitchFamily="49" charset="0"/>
               </a:rPr>
-              <a:t> </a:t>
-            </a:r>
-            <a:r>
-              <a:rPr lang="en-US" sz="3200" b="1" smtClean="0">
-                <a:solidFill>
-                  <a:schemeClr val="accent1">
-                    <a:lumMod val="75000"/>
-                  </a:schemeClr>
-                </a:solidFill>
-                <a:latin typeface="Consolas" panose="020B0609020204030204" pitchFamily="49" charset="0"/>
-              </a:rPr>
-              <a:t>new</a:t>
-            </a:r>
-            <a:r>
-              <a:rPr lang="en-US" sz="3200" b="1" smtClean="0">
-                <a:latin typeface="Consolas" panose="020B0609020204030204" pitchFamily="49" charset="0"/>
-              </a:rPr>
-              <a:t> {m.Title, m.Year};</a:t>
+              <a:t> m.Title;</a:t>
             </a:r>
             <a:endParaRPr lang="da-DK" sz="3200" b="1">
               <a:latin typeface="Consolas" panose="020B0609020204030204" pitchFamily="49" charset="0"/>
@@ -27828,7 +28224,7 @@
     </p:spTree>
     <p:extLst>
       <p:ext uri="{BB962C8B-B14F-4D97-AF65-F5344CB8AC3E}">
-        <p14:creationId xmlns:p14="http://schemas.microsoft.com/office/powerpoint/2010/main" val="3038512735"/>
+        <p14:creationId xmlns:p14="http://schemas.microsoft.com/office/powerpoint/2010/main" val="529164851"/>
       </p:ext>
     </p:extLst>
   </p:cSld>
